--- a/data-raw/grattan-pal.pptx
+++ b/data-raw/grattan-pal.pptx
@@ -940,7 +940,7 @@
         </p:nvSpPr>
         <p:spPr bwMode="auto">
           <a:xfrm>
-            <a:off x="4172110" y="1034592"/>
+            <a:off x="4173697" y="4091573"/>
             <a:ext cx="540000" cy="540000"/>
           </a:xfrm>
           <a:prstGeom prst="rect">
@@ -986,7 +986,7 @@
         </p:nvSpPr>
         <p:spPr bwMode="auto">
           <a:xfrm>
-            <a:off x="4172110" y="1591306"/>
+            <a:off x="4173697" y="4648287"/>
             <a:ext cx="540000" cy="540000"/>
           </a:xfrm>
           <a:prstGeom prst="rect">
@@ -1032,7 +1032,7 @@
         </p:nvSpPr>
         <p:spPr bwMode="auto">
           <a:xfrm>
-            <a:off x="4731752" y="1032637"/>
+            <a:off x="4733339" y="4089618"/>
             <a:ext cx="540000" cy="540000"/>
           </a:xfrm>
           <a:prstGeom prst="rect">
@@ -1078,7 +1078,7 @@
         </p:nvSpPr>
         <p:spPr bwMode="auto">
           <a:xfrm>
-            <a:off x="4731752" y="1589351"/>
+            <a:off x="4733339" y="4646332"/>
             <a:ext cx="540000" cy="540000"/>
           </a:xfrm>
           <a:prstGeom prst="rect">
@@ -1124,7 +1124,7 @@
         </p:nvSpPr>
         <p:spPr bwMode="auto">
           <a:xfrm>
-            <a:off x="5290552" y="1034221"/>
+            <a:off x="5292139" y="4091202"/>
             <a:ext cx="540000" cy="540000"/>
           </a:xfrm>
           <a:prstGeom prst="rect">
@@ -1170,7 +1170,7 @@
         </p:nvSpPr>
         <p:spPr bwMode="auto">
           <a:xfrm>
-            <a:off x="5290552" y="1590935"/>
+            <a:off x="5292139" y="4647916"/>
             <a:ext cx="540000" cy="540000"/>
           </a:xfrm>
           <a:prstGeom prst="rect">
@@ -1216,7 +1216,7 @@
         </p:nvSpPr>
         <p:spPr bwMode="auto">
           <a:xfrm>
-            <a:off x="5846824" y="1032266"/>
+            <a:off x="5848411" y="4089247"/>
             <a:ext cx="540000" cy="540000"/>
           </a:xfrm>
           <a:prstGeom prst="rect">
@@ -1262,7 +1262,7 @@
         </p:nvSpPr>
         <p:spPr bwMode="auto">
           <a:xfrm>
-            <a:off x="5846824" y="1591617"/>
+            <a:off x="5848411" y="4648598"/>
             <a:ext cx="540000" cy="540000"/>
           </a:xfrm>
           <a:prstGeom prst="rect">
@@ -1308,7 +1308,7 @@
         </p:nvSpPr>
         <p:spPr bwMode="auto">
           <a:xfrm>
-            <a:off x="6407211" y="1032637"/>
+            <a:off x="6408798" y="4089618"/>
             <a:ext cx="540000" cy="540000"/>
           </a:xfrm>
           <a:prstGeom prst="rect">
@@ -1354,7 +1354,7 @@
         </p:nvSpPr>
         <p:spPr bwMode="auto">
           <a:xfrm>
-            <a:off x="6407211" y="1589351"/>
+            <a:off x="6408798" y="4646332"/>
             <a:ext cx="540000" cy="540000"/>
           </a:xfrm>
           <a:prstGeom prst="rect">
@@ -1400,7 +1400,7 @@
         </p:nvSpPr>
         <p:spPr bwMode="auto">
           <a:xfrm>
-            <a:off x="6966717" y="1035848"/>
+            <a:off x="6968304" y="4092829"/>
             <a:ext cx="540000" cy="540000"/>
           </a:xfrm>
           <a:prstGeom prst="rect">
@@ -1446,7 +1446,7 @@
         </p:nvSpPr>
         <p:spPr bwMode="auto">
           <a:xfrm>
-            <a:off x="6966717" y="1592562"/>
+            <a:off x="6968304" y="4649543"/>
             <a:ext cx="540000" cy="540000"/>
           </a:xfrm>
           <a:prstGeom prst="rect">
@@ -1492,7 +1492,7 @@
         </p:nvSpPr>
         <p:spPr bwMode="auto">
           <a:xfrm>
-            <a:off x="7525517" y="1037432"/>
+            <a:off x="7527104" y="4094413"/>
             <a:ext cx="540000" cy="540000"/>
           </a:xfrm>
           <a:prstGeom prst="rect">
@@ -1538,7 +1538,7 @@
         </p:nvSpPr>
         <p:spPr bwMode="auto">
           <a:xfrm>
-            <a:off x="7525517" y="1589750"/>
+            <a:off x="7527104" y="4646731"/>
             <a:ext cx="540000" cy="540000"/>
           </a:xfrm>
           <a:prstGeom prst="rect">
@@ -1584,7 +1584,7 @@
         </p:nvSpPr>
         <p:spPr bwMode="auto">
           <a:xfrm>
-            <a:off x="8079379" y="1035477"/>
+            <a:off x="8080966" y="4092458"/>
             <a:ext cx="540000" cy="540000"/>
           </a:xfrm>
           <a:prstGeom prst="rect">
@@ -1630,7 +1630,7 @@
         </p:nvSpPr>
         <p:spPr bwMode="auto">
           <a:xfrm>
-            <a:off x="8079379" y="1592191"/>
+            <a:off x="8080966" y="4649172"/>
             <a:ext cx="540000" cy="540000"/>
           </a:xfrm>
           <a:prstGeom prst="rect">
@@ -1676,7 +1676,7 @@
         </p:nvSpPr>
         <p:spPr bwMode="auto">
           <a:xfrm>
-            <a:off x="3324385" y="1030311"/>
+            <a:off x="3325972" y="4087292"/>
             <a:ext cx="540000" cy="540000"/>
           </a:xfrm>
           <a:prstGeom prst="rect">
@@ -1722,7 +1722,7 @@
         </p:nvSpPr>
         <p:spPr bwMode="auto">
           <a:xfrm>
-            <a:off x="3324385" y="1591421"/>
+            <a:off x="3325972" y="4648402"/>
             <a:ext cx="540000" cy="540000"/>
           </a:xfrm>
           <a:prstGeom prst="rect">
@@ -1768,7 +1768,7 @@
         </p:nvSpPr>
         <p:spPr bwMode="auto">
           <a:xfrm>
-            <a:off x="647700" y="1028576"/>
+            <a:off x="649287" y="4085557"/>
             <a:ext cx="1246188" cy="1094024"/>
           </a:xfrm>
           <a:prstGeom prst="rect">
@@ -1812,7 +1812,7 @@
         </p:nvSpPr>
         <p:spPr>
           <a:xfrm>
-            <a:off x="647700" y="871996"/>
+            <a:off x="649287" y="3928977"/>
             <a:ext cx="2045184" cy="156581"/>
           </a:xfrm>
           <a:prstGeom prst="rect">
@@ -1855,7 +1855,7 @@
         </p:nvSpPr>
         <p:spPr>
           <a:xfrm>
-            <a:off x="1884173" y="1210114"/>
+            <a:off x="1885760" y="4267095"/>
             <a:ext cx="1384691" cy="156883"/>
           </a:xfrm>
           <a:prstGeom prst="rect">
@@ -1898,7 +1898,7 @@
         </p:nvSpPr>
         <p:spPr>
           <a:xfrm>
-            <a:off x="1883971" y="1772904"/>
+            <a:off x="1885558" y="4829885"/>
             <a:ext cx="1384691" cy="156883"/>
           </a:xfrm>
           <a:prstGeom prst="rect">
@@ -1943,7 +1943,7 @@
         </p:nvSpPr>
         <p:spPr bwMode="auto">
           <a:xfrm>
-            <a:off x="4172110" y="568964"/>
+            <a:off x="4173697" y="186059"/>
             <a:ext cx="540000" cy="540000"/>
           </a:xfrm>
           <a:prstGeom prst="rect">
@@ -1994,7 +1994,7 @@
         </p:nvSpPr>
         <p:spPr bwMode="auto">
           <a:xfrm>
-            <a:off x="4731752" y="567009"/>
+            <a:off x="4733339" y="184104"/>
             <a:ext cx="540000" cy="540000"/>
           </a:xfrm>
           <a:prstGeom prst="rect">
@@ -2045,7 +2045,7 @@
         </p:nvSpPr>
         <p:spPr bwMode="auto">
           <a:xfrm>
-            <a:off x="5290552" y="568593"/>
+            <a:off x="5292139" y="185688"/>
             <a:ext cx="540000" cy="540000"/>
           </a:xfrm>
           <a:prstGeom prst="rect">
@@ -2096,7 +2096,7 @@
         </p:nvSpPr>
         <p:spPr bwMode="auto">
           <a:xfrm>
-            <a:off x="5846824" y="566638"/>
+            <a:off x="5848411" y="183733"/>
             <a:ext cx="540000" cy="540000"/>
           </a:xfrm>
           <a:prstGeom prst="rect">
@@ -2147,7 +2147,7 @@
         </p:nvSpPr>
         <p:spPr bwMode="auto">
           <a:xfrm>
-            <a:off x="6407211" y="567009"/>
+            <a:off x="6408798" y="184104"/>
             <a:ext cx="540000" cy="540000"/>
           </a:xfrm>
           <a:prstGeom prst="rect">
@@ -2198,7 +2198,7 @@
         </p:nvSpPr>
         <p:spPr bwMode="auto">
           <a:xfrm>
-            <a:off x="6966717" y="565054"/>
+            <a:off x="6968304" y="182149"/>
             <a:ext cx="540000" cy="540000"/>
           </a:xfrm>
           <a:prstGeom prst="rect">
@@ -2249,7 +2249,7 @@
         </p:nvSpPr>
         <p:spPr bwMode="auto">
           <a:xfrm>
-            <a:off x="7525517" y="566638"/>
+            <a:off x="7527104" y="183733"/>
             <a:ext cx="540000" cy="540000"/>
           </a:xfrm>
           <a:prstGeom prst="rect">
@@ -2300,7 +2300,7 @@
         </p:nvSpPr>
         <p:spPr bwMode="auto">
           <a:xfrm>
-            <a:off x="8079379" y="564683"/>
+            <a:off x="8080966" y="181778"/>
             <a:ext cx="540000" cy="540000"/>
           </a:xfrm>
           <a:prstGeom prst="rect">
@@ -2351,7 +2351,7 @@
         </p:nvSpPr>
         <p:spPr bwMode="auto">
           <a:xfrm>
-            <a:off x="4170523" y="2761410"/>
+            <a:off x="4172110" y="2378505"/>
             <a:ext cx="540000" cy="540000"/>
           </a:xfrm>
           <a:prstGeom prst="rect">
@@ -2397,7 +2397,7 @@
         </p:nvSpPr>
         <p:spPr bwMode="auto">
           <a:xfrm>
-            <a:off x="4170523" y="3322517"/>
+            <a:off x="4172110" y="2939612"/>
             <a:ext cx="540000" cy="540000"/>
           </a:xfrm>
           <a:prstGeom prst="rect">
@@ -2443,7 +2443,7 @@
         </p:nvSpPr>
         <p:spPr bwMode="auto">
           <a:xfrm>
-            <a:off x="4730165" y="2759455"/>
+            <a:off x="4731752" y="2376550"/>
             <a:ext cx="540000" cy="540000"/>
           </a:xfrm>
           <a:prstGeom prst="rect">
@@ -2489,7 +2489,7 @@
         </p:nvSpPr>
         <p:spPr bwMode="auto">
           <a:xfrm>
-            <a:off x="4730165" y="3320562"/>
+            <a:off x="4731752" y="2937657"/>
             <a:ext cx="540000" cy="540000"/>
           </a:xfrm>
           <a:prstGeom prst="rect">
@@ -2535,7 +2535,7 @@
         </p:nvSpPr>
         <p:spPr bwMode="auto">
           <a:xfrm>
-            <a:off x="5288965" y="2761039"/>
+            <a:off x="5290552" y="2378134"/>
             <a:ext cx="540000" cy="540000"/>
           </a:xfrm>
           <a:prstGeom prst="rect">
@@ -2581,7 +2581,7 @@
         </p:nvSpPr>
         <p:spPr bwMode="auto">
           <a:xfrm>
-            <a:off x="5288965" y="3322146"/>
+            <a:off x="5290552" y="2939241"/>
             <a:ext cx="540000" cy="540000"/>
           </a:xfrm>
           <a:prstGeom prst="rect">
@@ -2627,7 +2627,7 @@
         </p:nvSpPr>
         <p:spPr bwMode="auto">
           <a:xfrm>
-            <a:off x="5845237" y="2759084"/>
+            <a:off x="5846824" y="2376179"/>
             <a:ext cx="540000" cy="540000"/>
           </a:xfrm>
           <a:prstGeom prst="rect">
@@ -2673,7 +2673,7 @@
         </p:nvSpPr>
         <p:spPr bwMode="auto">
           <a:xfrm>
-            <a:off x="5845237" y="3320191"/>
+            <a:off x="5846824" y="2937286"/>
             <a:ext cx="540000" cy="540000"/>
           </a:xfrm>
           <a:prstGeom prst="rect">
@@ -2719,7 +2719,7 @@
         </p:nvSpPr>
         <p:spPr bwMode="auto">
           <a:xfrm>
-            <a:off x="6405624" y="2759455"/>
+            <a:off x="6407211" y="2376550"/>
             <a:ext cx="540000" cy="540000"/>
           </a:xfrm>
           <a:prstGeom prst="rect">
@@ -2765,7 +2765,7 @@
         </p:nvSpPr>
         <p:spPr bwMode="auto">
           <a:xfrm>
-            <a:off x="6405624" y="3320562"/>
+            <a:off x="6407211" y="2937657"/>
             <a:ext cx="540000" cy="540000"/>
           </a:xfrm>
           <a:prstGeom prst="rect">
@@ -2811,7 +2811,7 @@
         </p:nvSpPr>
         <p:spPr bwMode="auto">
           <a:xfrm>
-            <a:off x="6965130" y="2762666"/>
+            <a:off x="6966717" y="2379761"/>
             <a:ext cx="540000" cy="540000"/>
           </a:xfrm>
           <a:prstGeom prst="rect">
@@ -2857,7 +2857,7 @@
         </p:nvSpPr>
         <p:spPr bwMode="auto">
           <a:xfrm>
-            <a:off x="6965130" y="3323773"/>
+            <a:off x="6966717" y="2940868"/>
             <a:ext cx="540000" cy="540000"/>
           </a:xfrm>
           <a:prstGeom prst="rect">
@@ -2903,7 +2903,7 @@
         </p:nvSpPr>
         <p:spPr bwMode="auto">
           <a:xfrm>
-            <a:off x="7523930" y="2764250"/>
+            <a:off x="7525517" y="2381345"/>
             <a:ext cx="540000" cy="540000"/>
           </a:xfrm>
           <a:prstGeom prst="rect">
@@ -2949,7 +2949,7 @@
         </p:nvSpPr>
         <p:spPr bwMode="auto">
           <a:xfrm>
-            <a:off x="7523930" y="3325357"/>
+            <a:off x="7525517" y="2942452"/>
             <a:ext cx="540000" cy="540000"/>
           </a:xfrm>
           <a:prstGeom prst="rect">
@@ -2995,7 +2995,7 @@
         </p:nvSpPr>
         <p:spPr bwMode="auto">
           <a:xfrm>
-            <a:off x="8077792" y="2762295"/>
+            <a:off x="8079379" y="2379390"/>
             <a:ext cx="540000" cy="540000"/>
           </a:xfrm>
           <a:prstGeom prst="rect">
@@ -3041,7 +3041,7 @@
         </p:nvSpPr>
         <p:spPr bwMode="auto">
           <a:xfrm>
-            <a:off x="8077792" y="3323402"/>
+            <a:off x="8079379" y="2940497"/>
             <a:ext cx="540000" cy="540000"/>
           </a:xfrm>
           <a:prstGeom prst="rect">
@@ -3087,7 +3087,7 @@
         </p:nvSpPr>
         <p:spPr bwMode="auto">
           <a:xfrm>
-            <a:off x="3322798" y="2757129"/>
+            <a:off x="3324385" y="2374224"/>
             <a:ext cx="540000" cy="540000"/>
           </a:xfrm>
           <a:prstGeom prst="rect">
@@ -3133,7 +3133,7 @@
         </p:nvSpPr>
         <p:spPr bwMode="auto">
           <a:xfrm>
-            <a:off x="3322798" y="3318236"/>
+            <a:off x="3324385" y="2935331"/>
             <a:ext cx="540000" cy="540000"/>
           </a:xfrm>
           <a:prstGeom prst="rect">
@@ -3179,7 +3179,7 @@
         </p:nvSpPr>
         <p:spPr bwMode="auto">
           <a:xfrm>
-            <a:off x="646113" y="2755394"/>
+            <a:off x="647700" y="2372489"/>
             <a:ext cx="1246188" cy="1094024"/>
           </a:xfrm>
           <a:prstGeom prst="rect">
@@ -3223,7 +3223,7 @@
         </p:nvSpPr>
         <p:spPr>
           <a:xfrm>
-            <a:off x="646113" y="2598814"/>
+            <a:off x="647700" y="2215909"/>
             <a:ext cx="2045184" cy="156581"/>
           </a:xfrm>
           <a:prstGeom prst="rect">
@@ -3266,7 +3266,7 @@
         </p:nvSpPr>
         <p:spPr>
           <a:xfrm>
-            <a:off x="1882586" y="2936932"/>
+            <a:off x="1884173" y="2554027"/>
             <a:ext cx="1384691" cy="156883"/>
           </a:xfrm>
           <a:prstGeom prst="rect">
@@ -3309,7 +3309,7 @@
         </p:nvSpPr>
         <p:spPr>
           <a:xfrm>
-            <a:off x="1882384" y="3493188"/>
+            <a:off x="1883971" y="3110283"/>
             <a:ext cx="1384691" cy="156883"/>
           </a:xfrm>
           <a:prstGeom prst="rect">
@@ -3354,7 +3354,7 @@
         </p:nvSpPr>
         <p:spPr bwMode="auto">
           <a:xfrm>
-            <a:off x="4186624" y="4495378"/>
+            <a:off x="4173697" y="642603"/>
             <a:ext cx="540000" cy="540000"/>
           </a:xfrm>
           <a:prstGeom prst="rect">
@@ -3400,7 +3400,7 @@
         </p:nvSpPr>
         <p:spPr bwMode="auto">
           <a:xfrm>
-            <a:off x="4186624" y="5056485"/>
+            <a:off x="4173697" y="1203710"/>
             <a:ext cx="540000" cy="540000"/>
           </a:xfrm>
           <a:prstGeom prst="rect">
@@ -3446,7 +3446,7 @@
         </p:nvSpPr>
         <p:spPr bwMode="auto">
           <a:xfrm>
-            <a:off x="4746266" y="4493423"/>
+            <a:off x="4733339" y="640648"/>
             <a:ext cx="540000" cy="540000"/>
           </a:xfrm>
           <a:prstGeom prst="rect">
@@ -3492,7 +3492,7 @@
         </p:nvSpPr>
         <p:spPr bwMode="auto">
           <a:xfrm>
-            <a:off x="4746266" y="5054530"/>
+            <a:off x="4733339" y="1201755"/>
             <a:ext cx="540000" cy="540000"/>
           </a:xfrm>
           <a:prstGeom prst="rect">
@@ -3538,7 +3538,7 @@
         </p:nvSpPr>
         <p:spPr bwMode="auto">
           <a:xfrm>
-            <a:off x="5305066" y="4495007"/>
+            <a:off x="5292139" y="642232"/>
             <a:ext cx="540000" cy="540000"/>
           </a:xfrm>
           <a:prstGeom prst="rect">
@@ -3584,7 +3584,7 @@
         </p:nvSpPr>
         <p:spPr bwMode="auto">
           <a:xfrm>
-            <a:off x="5305066" y="5056114"/>
+            <a:off x="5292139" y="1203339"/>
             <a:ext cx="540000" cy="540000"/>
           </a:xfrm>
           <a:prstGeom prst="rect">
@@ -3630,7 +3630,7 @@
         </p:nvSpPr>
         <p:spPr bwMode="auto">
           <a:xfrm>
-            <a:off x="5861338" y="4493052"/>
+            <a:off x="5848411" y="640277"/>
             <a:ext cx="540000" cy="540000"/>
           </a:xfrm>
           <a:prstGeom prst="rect">
@@ -3676,7 +3676,7 @@
         </p:nvSpPr>
         <p:spPr bwMode="auto">
           <a:xfrm>
-            <a:off x="5861338" y="5054159"/>
+            <a:off x="5848411" y="1201384"/>
             <a:ext cx="540000" cy="540000"/>
           </a:xfrm>
           <a:prstGeom prst="rect">
@@ -3722,7 +3722,7 @@
         </p:nvSpPr>
         <p:spPr bwMode="auto">
           <a:xfrm>
-            <a:off x="6421725" y="4493423"/>
+            <a:off x="6408798" y="640648"/>
             <a:ext cx="540000" cy="540000"/>
           </a:xfrm>
           <a:prstGeom prst="rect">
@@ -3768,7 +3768,7 @@
         </p:nvSpPr>
         <p:spPr bwMode="auto">
           <a:xfrm>
-            <a:off x="6421725" y="5054530"/>
+            <a:off x="6408798" y="1201755"/>
             <a:ext cx="540000" cy="540000"/>
           </a:xfrm>
           <a:prstGeom prst="rect">
@@ -3814,7 +3814,7 @@
         </p:nvSpPr>
         <p:spPr bwMode="auto">
           <a:xfrm>
-            <a:off x="6981231" y="4496634"/>
+            <a:off x="6968304" y="643859"/>
             <a:ext cx="540000" cy="540000"/>
           </a:xfrm>
           <a:prstGeom prst="rect">
@@ -3860,7 +3860,7 @@
         </p:nvSpPr>
         <p:spPr bwMode="auto">
           <a:xfrm>
-            <a:off x="6981231" y="5057741"/>
+            <a:off x="6968304" y="1204966"/>
             <a:ext cx="540000" cy="540000"/>
           </a:xfrm>
           <a:prstGeom prst="rect">
@@ -3906,7 +3906,7 @@
         </p:nvSpPr>
         <p:spPr bwMode="auto">
           <a:xfrm>
-            <a:off x="7540031" y="4498218"/>
+            <a:off x="7527104" y="645443"/>
             <a:ext cx="540000" cy="540000"/>
           </a:xfrm>
           <a:prstGeom prst="rect">
@@ -3952,7 +3952,7 @@
         </p:nvSpPr>
         <p:spPr bwMode="auto">
           <a:xfrm>
-            <a:off x="7540031" y="5059325"/>
+            <a:off x="7527104" y="1206550"/>
             <a:ext cx="540000" cy="540000"/>
           </a:xfrm>
           <a:prstGeom prst="rect">
@@ -3998,7 +3998,7 @@
         </p:nvSpPr>
         <p:spPr bwMode="auto">
           <a:xfrm>
-            <a:off x="8093893" y="4496263"/>
+            <a:off x="8080966" y="643488"/>
             <a:ext cx="540000" cy="540000"/>
           </a:xfrm>
           <a:prstGeom prst="rect">
@@ -4044,7 +4044,7 @@
         </p:nvSpPr>
         <p:spPr bwMode="auto">
           <a:xfrm>
-            <a:off x="8093893" y="5057370"/>
+            <a:off x="8080966" y="1204595"/>
             <a:ext cx="540000" cy="540000"/>
           </a:xfrm>
           <a:prstGeom prst="rect">
@@ -4090,7 +4090,7 @@
         </p:nvSpPr>
         <p:spPr bwMode="auto">
           <a:xfrm>
-            <a:off x="3338899" y="4491097"/>
+            <a:off x="3325972" y="638322"/>
             <a:ext cx="540000" cy="540000"/>
           </a:xfrm>
           <a:prstGeom prst="rect">
@@ -4136,7 +4136,7 @@
         </p:nvSpPr>
         <p:spPr bwMode="auto">
           <a:xfrm>
-            <a:off x="3338899" y="5052204"/>
+            <a:off x="3325972" y="1199429"/>
             <a:ext cx="540000" cy="540000"/>
           </a:xfrm>
           <a:prstGeom prst="rect">
@@ -4182,7 +4182,7 @@
         </p:nvSpPr>
         <p:spPr bwMode="auto">
           <a:xfrm>
-            <a:off x="662214" y="4489362"/>
+            <a:off x="649287" y="636587"/>
             <a:ext cx="1246188" cy="1094024"/>
           </a:xfrm>
           <a:prstGeom prst="rect">
@@ -4226,7 +4226,7 @@
         </p:nvSpPr>
         <p:spPr>
           <a:xfrm>
-            <a:off x="662214" y="4332782"/>
+            <a:off x="649287" y="480007"/>
             <a:ext cx="2045184" cy="156581"/>
           </a:xfrm>
           <a:prstGeom prst="rect">
@@ -4269,7 +4269,7 @@
         </p:nvSpPr>
         <p:spPr>
           <a:xfrm>
-            <a:off x="1898687" y="4670900"/>
+            <a:off x="1885760" y="818125"/>
             <a:ext cx="1384691" cy="156883"/>
           </a:xfrm>
           <a:prstGeom prst="rect">
@@ -4312,7 +4312,7 @@
         </p:nvSpPr>
         <p:spPr>
           <a:xfrm>
-            <a:off x="1898485" y="5214093"/>
+            <a:off x="1885558" y="1361318"/>
             <a:ext cx="1384691" cy="156883"/>
           </a:xfrm>
           <a:prstGeom prst="rect">
@@ -4357,7 +4357,7 @@
         </p:nvSpPr>
         <p:spPr bwMode="auto">
           <a:xfrm>
-            <a:off x="4176114" y="6206175"/>
+            <a:off x="4177701" y="5823270"/>
             <a:ext cx="540000" cy="540000"/>
           </a:xfrm>
           <a:prstGeom prst="rect">
@@ -4403,7 +4403,7 @@
         </p:nvSpPr>
         <p:spPr bwMode="auto">
           <a:xfrm>
-            <a:off x="4176114" y="6767283"/>
+            <a:off x="4177701" y="6384378"/>
             <a:ext cx="540000" cy="540000"/>
           </a:xfrm>
           <a:prstGeom prst="rect">
@@ -4449,7 +4449,7 @@
         </p:nvSpPr>
         <p:spPr bwMode="auto">
           <a:xfrm>
-            <a:off x="4735756" y="6204220"/>
+            <a:off x="4737343" y="5821315"/>
             <a:ext cx="540000" cy="540000"/>
           </a:xfrm>
           <a:prstGeom prst="rect">
@@ -4495,7 +4495,7 @@
         </p:nvSpPr>
         <p:spPr bwMode="auto">
           <a:xfrm>
-            <a:off x="4735756" y="6765328"/>
+            <a:off x="4737343" y="6382423"/>
             <a:ext cx="540000" cy="540000"/>
           </a:xfrm>
           <a:prstGeom prst="rect">
@@ -4541,7 +4541,7 @@
         </p:nvSpPr>
         <p:spPr bwMode="auto">
           <a:xfrm>
-            <a:off x="5294556" y="6205804"/>
+            <a:off x="5296143" y="5822899"/>
             <a:ext cx="540000" cy="540000"/>
           </a:xfrm>
           <a:prstGeom prst="rect">
@@ -4587,7 +4587,7 @@
         </p:nvSpPr>
         <p:spPr bwMode="auto">
           <a:xfrm>
-            <a:off x="5294556" y="6766912"/>
+            <a:off x="5296143" y="6384007"/>
             <a:ext cx="540000" cy="540000"/>
           </a:xfrm>
           <a:prstGeom prst="rect">
@@ -4633,7 +4633,7 @@
         </p:nvSpPr>
         <p:spPr bwMode="auto">
           <a:xfrm>
-            <a:off x="5850828" y="6203849"/>
+            <a:off x="5852415" y="5820944"/>
             <a:ext cx="540000" cy="540000"/>
           </a:xfrm>
           <a:prstGeom prst="rect">
@@ -4679,7 +4679,7 @@
         </p:nvSpPr>
         <p:spPr bwMode="auto">
           <a:xfrm>
-            <a:off x="5850828" y="6764957"/>
+            <a:off x="5852415" y="6382052"/>
             <a:ext cx="540000" cy="540000"/>
           </a:xfrm>
           <a:prstGeom prst="rect">
@@ -4725,7 +4725,7 @@
         </p:nvSpPr>
         <p:spPr bwMode="auto">
           <a:xfrm>
-            <a:off x="6411215" y="6204220"/>
+            <a:off x="6412802" y="5821315"/>
             <a:ext cx="540000" cy="540000"/>
           </a:xfrm>
           <a:prstGeom prst="rect">
@@ -4771,7 +4771,7 @@
         </p:nvSpPr>
         <p:spPr bwMode="auto">
           <a:xfrm>
-            <a:off x="6411215" y="6765328"/>
+            <a:off x="6412802" y="6382423"/>
             <a:ext cx="540000" cy="540000"/>
           </a:xfrm>
           <a:prstGeom prst="rect">
@@ -4817,7 +4817,7 @@
         </p:nvSpPr>
         <p:spPr bwMode="auto">
           <a:xfrm>
-            <a:off x="6970721" y="6207431"/>
+            <a:off x="6972308" y="5824526"/>
             <a:ext cx="540000" cy="540000"/>
           </a:xfrm>
           <a:prstGeom prst="rect">
@@ -4863,7 +4863,7 @@
         </p:nvSpPr>
         <p:spPr bwMode="auto">
           <a:xfrm>
-            <a:off x="6970721" y="6768539"/>
+            <a:off x="6972308" y="6385634"/>
             <a:ext cx="540000" cy="540000"/>
           </a:xfrm>
           <a:prstGeom prst="rect">
@@ -4909,7 +4909,7 @@
         </p:nvSpPr>
         <p:spPr bwMode="auto">
           <a:xfrm>
-            <a:off x="7529521" y="6209015"/>
+            <a:off x="7531108" y="5826110"/>
             <a:ext cx="540000" cy="540000"/>
           </a:xfrm>
           <a:prstGeom prst="rect">
@@ -4955,7 +4955,7 @@
         </p:nvSpPr>
         <p:spPr bwMode="auto">
           <a:xfrm>
-            <a:off x="7529521" y="6770123"/>
+            <a:off x="7531108" y="6387218"/>
             <a:ext cx="540000" cy="540000"/>
           </a:xfrm>
           <a:prstGeom prst="rect">
@@ -5001,7 +5001,7 @@
         </p:nvSpPr>
         <p:spPr bwMode="auto">
           <a:xfrm>
-            <a:off x="8083383" y="6207060"/>
+            <a:off x="8084970" y="5824155"/>
             <a:ext cx="540000" cy="540000"/>
           </a:xfrm>
           <a:prstGeom prst="rect">
@@ -5047,7 +5047,7 @@
         </p:nvSpPr>
         <p:spPr bwMode="auto">
           <a:xfrm>
-            <a:off x="8083383" y="6768168"/>
+            <a:off x="8084970" y="6385263"/>
             <a:ext cx="540000" cy="540000"/>
           </a:xfrm>
           <a:prstGeom prst="rect">
@@ -5093,7 +5093,7 @@
         </p:nvSpPr>
         <p:spPr bwMode="auto">
           <a:xfrm>
-            <a:off x="3328389" y="6201894"/>
+            <a:off x="3329976" y="5818989"/>
             <a:ext cx="540000" cy="540000"/>
           </a:xfrm>
           <a:prstGeom prst="rect">
@@ -5139,7 +5139,7 @@
         </p:nvSpPr>
         <p:spPr bwMode="auto">
           <a:xfrm>
-            <a:off x="3328389" y="6763002"/>
+            <a:off x="3329976" y="6380097"/>
             <a:ext cx="540000" cy="540000"/>
           </a:xfrm>
           <a:prstGeom prst="rect">
@@ -5185,7 +5185,7 @@
         </p:nvSpPr>
         <p:spPr bwMode="auto">
           <a:xfrm>
-            <a:off x="651704" y="6200159"/>
+            <a:off x="653291" y="5817254"/>
             <a:ext cx="1246188" cy="1094024"/>
           </a:xfrm>
           <a:prstGeom prst="rect">
@@ -5229,7 +5229,7 @@
         </p:nvSpPr>
         <p:spPr>
           <a:xfrm>
-            <a:off x="651704" y="6043579"/>
+            <a:off x="653291" y="5660674"/>
             <a:ext cx="2045184" cy="156581"/>
           </a:xfrm>
           <a:prstGeom prst="rect">
@@ -5272,7 +5272,7 @@
         </p:nvSpPr>
         <p:spPr>
           <a:xfrm>
-            <a:off x="1888177" y="6381697"/>
+            <a:off x="1889764" y="5998792"/>
             <a:ext cx="1384691" cy="156883"/>
           </a:xfrm>
           <a:prstGeom prst="rect">
@@ -5315,7 +5315,7 @@
         </p:nvSpPr>
         <p:spPr>
           <a:xfrm>
-            <a:off x="1887975" y="6937954"/>
+            <a:off x="1889562" y="6555049"/>
             <a:ext cx="1384691" cy="156883"/>
           </a:xfrm>
           <a:prstGeom prst="rect">
@@ -5360,7 +5360,7 @@
         </p:nvSpPr>
         <p:spPr bwMode="auto">
           <a:xfrm>
-            <a:off x="4170523" y="7930897"/>
+            <a:off x="4172110" y="7547992"/>
             <a:ext cx="540000" cy="540000"/>
           </a:xfrm>
           <a:prstGeom prst="rect">
@@ -5406,7 +5406,7 @@
         </p:nvSpPr>
         <p:spPr bwMode="auto">
           <a:xfrm>
-            <a:off x="4170523" y="8492005"/>
+            <a:off x="4172110" y="8109100"/>
             <a:ext cx="540000" cy="540000"/>
           </a:xfrm>
           <a:prstGeom prst="rect">
@@ -5452,7 +5452,7 @@
         </p:nvSpPr>
         <p:spPr bwMode="auto">
           <a:xfrm>
-            <a:off x="4730165" y="7928942"/>
+            <a:off x="4731752" y="7546037"/>
             <a:ext cx="540000" cy="540000"/>
           </a:xfrm>
           <a:prstGeom prst="rect">
@@ -5498,7 +5498,7 @@
         </p:nvSpPr>
         <p:spPr bwMode="auto">
           <a:xfrm>
-            <a:off x="4730165" y="8490050"/>
+            <a:off x="4731752" y="8107145"/>
             <a:ext cx="540000" cy="540000"/>
           </a:xfrm>
           <a:prstGeom prst="rect">
@@ -5544,7 +5544,7 @@
         </p:nvSpPr>
         <p:spPr bwMode="auto">
           <a:xfrm>
-            <a:off x="5288965" y="7930526"/>
+            <a:off x="5290552" y="7547621"/>
             <a:ext cx="540000" cy="540000"/>
           </a:xfrm>
           <a:prstGeom prst="rect">
@@ -5590,7 +5590,7 @@
         </p:nvSpPr>
         <p:spPr bwMode="auto">
           <a:xfrm>
-            <a:off x="5288965" y="8491634"/>
+            <a:off x="5290552" y="8108729"/>
             <a:ext cx="540000" cy="540000"/>
           </a:xfrm>
           <a:prstGeom prst="rect">
@@ -5636,7 +5636,7 @@
         </p:nvSpPr>
         <p:spPr bwMode="auto">
           <a:xfrm>
-            <a:off x="5845237" y="7928571"/>
+            <a:off x="5846824" y="7545666"/>
             <a:ext cx="540000" cy="540000"/>
           </a:xfrm>
           <a:prstGeom prst="rect">
@@ -5682,7 +5682,7 @@
         </p:nvSpPr>
         <p:spPr bwMode="auto">
           <a:xfrm>
-            <a:off x="5845237" y="8489679"/>
+            <a:off x="5846824" y="8106774"/>
             <a:ext cx="540000" cy="540000"/>
           </a:xfrm>
           <a:prstGeom prst="rect">
@@ -5728,7 +5728,7 @@
         </p:nvSpPr>
         <p:spPr bwMode="auto">
           <a:xfrm>
-            <a:off x="6405624" y="7928942"/>
+            <a:off x="6407211" y="7546037"/>
             <a:ext cx="540000" cy="540000"/>
           </a:xfrm>
           <a:prstGeom prst="rect">
@@ -5774,7 +5774,7 @@
         </p:nvSpPr>
         <p:spPr bwMode="auto">
           <a:xfrm>
-            <a:off x="6405624" y="8490050"/>
+            <a:off x="6407211" y="8107145"/>
             <a:ext cx="540000" cy="540000"/>
           </a:xfrm>
           <a:prstGeom prst="rect">
@@ -5820,7 +5820,7 @@
         </p:nvSpPr>
         <p:spPr bwMode="auto">
           <a:xfrm>
-            <a:off x="6965130" y="7932153"/>
+            <a:off x="6966717" y="7549248"/>
             <a:ext cx="540000" cy="540000"/>
           </a:xfrm>
           <a:prstGeom prst="rect">
@@ -5866,7 +5866,7 @@
         </p:nvSpPr>
         <p:spPr bwMode="auto">
           <a:xfrm>
-            <a:off x="6965130" y="8493261"/>
+            <a:off x="6966717" y="8110356"/>
             <a:ext cx="540000" cy="540000"/>
           </a:xfrm>
           <a:prstGeom prst="rect">
@@ -5912,7 +5912,7 @@
         </p:nvSpPr>
         <p:spPr bwMode="auto">
           <a:xfrm>
-            <a:off x="7523930" y="7933737"/>
+            <a:off x="7525517" y="7550832"/>
             <a:ext cx="540000" cy="540000"/>
           </a:xfrm>
           <a:prstGeom prst="rect">
@@ -5958,7 +5958,7 @@
         </p:nvSpPr>
         <p:spPr bwMode="auto">
           <a:xfrm>
-            <a:off x="7523930" y="8494845"/>
+            <a:off x="7525517" y="8111940"/>
             <a:ext cx="540000" cy="540000"/>
           </a:xfrm>
           <a:prstGeom prst="rect">
@@ -6004,7 +6004,7 @@
         </p:nvSpPr>
         <p:spPr bwMode="auto">
           <a:xfrm>
-            <a:off x="8077792" y="7931782"/>
+            <a:off x="8079379" y="7548877"/>
             <a:ext cx="540000" cy="540000"/>
           </a:xfrm>
           <a:prstGeom prst="rect">
@@ -6050,7 +6050,7 @@
         </p:nvSpPr>
         <p:spPr bwMode="auto">
           <a:xfrm>
-            <a:off x="8077792" y="8492890"/>
+            <a:off x="8079379" y="8109985"/>
             <a:ext cx="540000" cy="540000"/>
           </a:xfrm>
           <a:prstGeom prst="rect">
@@ -6096,16 +6096,14 @@
         </p:nvSpPr>
         <p:spPr bwMode="auto">
           <a:xfrm>
-            <a:off x="3322798" y="7926616"/>
-            <a:ext cx="540000" cy="540000"/>
-          </a:xfrm>
-          <a:prstGeom prst="rect">
-            <a:avLst/>
-          </a:prstGeom>
-          <a:solidFill>
-            <a:srgbClr val="828282">
-              <a:alpha val="87059"/>
-            </a:srgbClr>
+            <a:off x="3324385" y="7543711"/>
+            <a:ext cx="540000" cy="540000"/>
+          </a:xfrm>
+          <a:prstGeom prst="rect">
+            <a:avLst/>
+          </a:prstGeom>
+          <a:solidFill>
+            <a:srgbClr val="828282"/>
           </a:solidFill>
           <a:ln w="9525" cap="flat" cmpd="sng" algn="ctr">
             <a:noFill/>
@@ -6144,7 +6142,7 @@
         </p:nvSpPr>
         <p:spPr bwMode="auto">
           <a:xfrm>
-            <a:off x="3322798" y="8487724"/>
+            <a:off x="3324385" y="8104819"/>
             <a:ext cx="540000" cy="540000"/>
           </a:xfrm>
           <a:prstGeom prst="rect">
@@ -6190,7 +6188,7 @@
         </p:nvSpPr>
         <p:spPr bwMode="auto">
           <a:xfrm>
-            <a:off x="646113" y="7924881"/>
+            <a:off x="647700" y="7541976"/>
             <a:ext cx="1246188" cy="1094024"/>
           </a:xfrm>
           <a:prstGeom prst="rect">
@@ -6234,7 +6232,7 @@
         </p:nvSpPr>
         <p:spPr>
           <a:xfrm>
-            <a:off x="646113" y="7768301"/>
+            <a:off x="647700" y="7385396"/>
             <a:ext cx="2045184" cy="156581"/>
           </a:xfrm>
           <a:prstGeom prst="rect">
@@ -6277,7 +6275,7 @@
         </p:nvSpPr>
         <p:spPr>
           <a:xfrm>
-            <a:off x="1882586" y="8106419"/>
+            <a:off x="1884173" y="7723514"/>
             <a:ext cx="1384691" cy="156883"/>
           </a:xfrm>
           <a:prstGeom prst="rect">
@@ -6320,7 +6318,7 @@
         </p:nvSpPr>
         <p:spPr>
           <a:xfrm>
-            <a:off x="1882384" y="8662676"/>
+            <a:off x="1883971" y="8279771"/>
             <a:ext cx="1384691" cy="156883"/>
           </a:xfrm>
           <a:prstGeom prst="rect">
@@ -6349,6 +6347,894 @@
           </a:p>
         </p:txBody>
       </p:sp>
+      <p:cxnSp>
+        <p:nvCxnSpPr>
+          <p:cNvPr id="325" name="Straight Connector 324">
+            <a:extLst>
+              <a:ext uri="{FF2B5EF4-FFF2-40B4-BE49-F238E27FC236}">
+                <a16:creationId xmlns:a16="http://schemas.microsoft.com/office/drawing/2014/main" id="{92F87D2D-91B6-1240-9710-A92F923E514E}"/>
+              </a:ext>
+            </a:extLst>
+          </p:cNvPr>
+          <p:cNvCxnSpPr/>
+          <p:nvPr/>
+        </p:nvCxnSpPr>
+        <p:spPr bwMode="auto">
+          <a:xfrm>
+            <a:off x="1781150" y="707341"/>
+            <a:ext cx="1835834" cy="0"/>
+          </a:xfrm>
+          <a:prstGeom prst="line">
+            <a:avLst/>
+          </a:prstGeom>
+          <a:solidFill>
+            <a:schemeClr val="accent1"/>
+          </a:solidFill>
+          <a:ln w="9525" cap="flat" cmpd="sng" algn="ctr">
+            <a:solidFill>
+              <a:schemeClr val="tx2"/>
+            </a:solidFill>
+            <a:prstDash val="solid"/>
+            <a:round/>
+            <a:headEnd type="none" w="med" len="med"/>
+            <a:tailEnd type="none" w="med" len="med"/>
+          </a:ln>
+          <a:effectLst/>
+        </p:spPr>
+      </p:cxnSp>
+      <p:cxnSp>
+        <p:nvCxnSpPr>
+          <p:cNvPr id="326" name="Straight Connector 325">
+            <a:extLst>
+              <a:ext uri="{FF2B5EF4-FFF2-40B4-BE49-F238E27FC236}">
+                <a16:creationId xmlns:a16="http://schemas.microsoft.com/office/drawing/2014/main" id="{E0198EBC-87AB-9842-9306-F084DD4FF81E}"/>
+              </a:ext>
+            </a:extLst>
+          </p:cNvPr>
+          <p:cNvCxnSpPr/>
+          <p:nvPr/>
+        </p:nvCxnSpPr>
+        <p:spPr bwMode="auto">
+          <a:xfrm>
+            <a:off x="1645162" y="2477525"/>
+            <a:ext cx="1835834" cy="0"/>
+          </a:xfrm>
+          <a:prstGeom prst="line">
+            <a:avLst/>
+          </a:prstGeom>
+          <a:solidFill>
+            <a:schemeClr val="accent1"/>
+          </a:solidFill>
+          <a:ln w="9525" cap="flat" cmpd="sng" algn="ctr">
+            <a:solidFill>
+              <a:schemeClr val="accent2"/>
+            </a:solidFill>
+            <a:prstDash val="solid"/>
+            <a:round/>
+            <a:headEnd type="none" w="med" len="med"/>
+            <a:tailEnd type="none" w="med" len="med"/>
+          </a:ln>
+          <a:effectLst/>
+        </p:spPr>
+      </p:cxnSp>
+      <p:cxnSp>
+        <p:nvCxnSpPr>
+          <p:cNvPr id="327" name="Straight Connector 326">
+            <a:extLst>
+              <a:ext uri="{FF2B5EF4-FFF2-40B4-BE49-F238E27FC236}">
+                <a16:creationId xmlns:a16="http://schemas.microsoft.com/office/drawing/2014/main" id="{A9344DF1-1533-6D4D-A90B-BCDD2787E2AD}"/>
+              </a:ext>
+            </a:extLst>
+          </p:cNvPr>
+          <p:cNvCxnSpPr/>
+          <p:nvPr/>
+        </p:nvCxnSpPr>
+        <p:spPr bwMode="auto">
+          <a:xfrm>
+            <a:off x="1713156" y="5105839"/>
+            <a:ext cx="1835834" cy="0"/>
+          </a:xfrm>
+          <a:prstGeom prst="line">
+            <a:avLst/>
+          </a:prstGeom>
+          <a:solidFill>
+            <a:schemeClr val="accent1"/>
+          </a:solidFill>
+          <a:ln w="9525" cap="flat" cmpd="sng" algn="ctr">
+            <a:solidFill>
+              <a:schemeClr val="accent3"/>
+            </a:solidFill>
+            <a:prstDash val="solid"/>
+            <a:round/>
+            <a:headEnd type="none" w="med" len="med"/>
+            <a:tailEnd type="none" w="med" len="med"/>
+          </a:ln>
+          <a:effectLst/>
+        </p:spPr>
+      </p:cxnSp>
+      <p:cxnSp>
+        <p:nvCxnSpPr>
+          <p:cNvPr id="328" name="Straight Connector 327">
+            <a:extLst>
+              <a:ext uri="{FF2B5EF4-FFF2-40B4-BE49-F238E27FC236}">
+                <a16:creationId xmlns:a16="http://schemas.microsoft.com/office/drawing/2014/main" id="{910100A8-9357-7D48-9732-01E88E17697E}"/>
+              </a:ext>
+            </a:extLst>
+          </p:cNvPr>
+          <p:cNvCxnSpPr/>
+          <p:nvPr/>
+        </p:nvCxnSpPr>
+        <p:spPr bwMode="auto">
+          <a:xfrm>
+            <a:off x="1753015" y="5891285"/>
+            <a:ext cx="1835834" cy="0"/>
+          </a:xfrm>
+          <a:prstGeom prst="line">
+            <a:avLst/>
+          </a:prstGeom>
+          <a:solidFill>
+            <a:schemeClr val="accent1"/>
+          </a:solidFill>
+          <a:ln w="9525" cap="flat" cmpd="sng" algn="ctr">
+            <a:solidFill>
+              <a:srgbClr val="A3C7DF"/>
+            </a:solidFill>
+            <a:prstDash val="solid"/>
+            <a:round/>
+            <a:headEnd type="none" w="med" len="med"/>
+            <a:tailEnd type="none" w="med" len="med"/>
+          </a:ln>
+          <a:effectLst/>
+        </p:spPr>
+      </p:cxnSp>
+      <p:cxnSp>
+        <p:nvCxnSpPr>
+          <p:cNvPr id="329" name="Straight Connector 328">
+            <a:extLst>
+              <a:ext uri="{FF2B5EF4-FFF2-40B4-BE49-F238E27FC236}">
+                <a16:creationId xmlns:a16="http://schemas.microsoft.com/office/drawing/2014/main" id="{A94185EC-CE55-B94A-AB6A-A68748608346}"/>
+              </a:ext>
+            </a:extLst>
+          </p:cNvPr>
+          <p:cNvCxnSpPr/>
+          <p:nvPr/>
+        </p:nvCxnSpPr>
+        <p:spPr bwMode="auto">
+          <a:xfrm>
+            <a:off x="1680332" y="7668504"/>
+            <a:ext cx="1835834" cy="0"/>
+          </a:xfrm>
+          <a:prstGeom prst="line">
+            <a:avLst/>
+          </a:prstGeom>
+          <a:solidFill>
+            <a:schemeClr val="accent1"/>
+          </a:solidFill>
+          <a:ln w="9525" cap="flat" cmpd="sng" algn="ctr">
+            <a:solidFill>
+              <a:srgbClr val="828282"/>
+            </a:solidFill>
+            <a:prstDash val="solid"/>
+            <a:round/>
+            <a:headEnd type="none" w="med" len="med"/>
+            <a:tailEnd type="none" w="med" len="med"/>
+          </a:ln>
+          <a:effectLst/>
+        </p:spPr>
+      </p:cxnSp>
+      <p:sp>
+        <p:nvSpPr>
+          <p:cNvPr id="331" name="Arc 330">
+            <a:extLst>
+              <a:ext uri="{FF2B5EF4-FFF2-40B4-BE49-F238E27FC236}">
+                <a16:creationId xmlns:a16="http://schemas.microsoft.com/office/drawing/2014/main" id="{9CE66030-14FE-1145-9A7D-627EA6E03F12}"/>
+              </a:ext>
+            </a:extLst>
+          </p:cNvPr>
+          <p:cNvSpPr/>
+          <p:nvPr/>
+        </p:nvSpPr>
+        <p:spPr bwMode="auto">
+          <a:xfrm>
+            <a:off x="5579157" y="3076864"/>
+            <a:ext cx="793019" cy="627133"/>
+          </a:xfrm>
+          <a:custGeom>
+            <a:avLst/>
+            <a:gdLst>
+              <a:gd name="connsiteX0" fmla="*/ 321690 w 793019"/>
+              <a:gd name="connsiteY0" fmla="*/ 621500 h 627133"/>
+              <a:gd name="connsiteX1" fmla="*/ 4741 w 793019"/>
+              <a:gd name="connsiteY1" fmla="*/ 265216 h 627133"/>
+              <a:gd name="connsiteX2" fmla="*/ 396510 w 793019"/>
+              <a:gd name="connsiteY2" fmla="*/ 313567 h 627133"/>
+              <a:gd name="connsiteX3" fmla="*/ 321690 w 793019"/>
+              <a:gd name="connsiteY3" fmla="*/ 621500 h 627133"/>
+              <a:gd name="connsiteX0" fmla="*/ 321690 w 793019"/>
+              <a:gd name="connsiteY0" fmla="*/ 621500 h 627133"/>
+              <a:gd name="connsiteX1" fmla="*/ 4741 w 793019"/>
+              <a:gd name="connsiteY1" fmla="*/ 265216 h 627133"/>
+            </a:gdLst>
+            <a:ahLst/>
+            <a:cxnLst>
+              <a:cxn ang="0">
+                <a:pos x="connsiteX0" y="connsiteY0"/>
+              </a:cxn>
+              <a:cxn ang="0">
+                <a:pos x="connsiteX1" y="connsiteY1"/>
+              </a:cxn>
+            </a:cxnLst>
+            <a:rect l="l" t="t" r="r" b="b"/>
+            <a:pathLst>
+              <a:path w="793019" h="627133" stroke="0" extrusionOk="0">
+                <a:moveTo>
+                  <a:pt x="321690" y="621500"/>
+                </a:moveTo>
+                <a:cubicBezTo>
+                  <a:pt x="83529" y="572102"/>
+                  <a:pt x="-52133" y="441087"/>
+                  <a:pt x="4741" y="265216"/>
+                </a:cubicBezTo>
+                <a:cubicBezTo>
+                  <a:pt x="128800" y="233114"/>
+                  <a:pt x="267329" y="343148"/>
+                  <a:pt x="396510" y="313567"/>
+                </a:cubicBezTo>
+                <a:cubicBezTo>
+                  <a:pt x="380411" y="433441"/>
+                  <a:pt x="343102" y="515577"/>
+                  <a:pt x="321690" y="621500"/>
+                </a:cubicBezTo>
+                <a:close/>
+              </a:path>
+              <a:path w="793019" h="627133" fill="none" extrusionOk="0">
+                <a:moveTo>
+                  <a:pt x="321690" y="621500"/>
+                </a:moveTo>
+                <a:cubicBezTo>
+                  <a:pt x="149164" y="607413"/>
+                  <a:pt x="-10121" y="434245"/>
+                  <a:pt x="4741" y="265216"/>
+                </a:cubicBezTo>
+              </a:path>
+            </a:pathLst>
+          </a:custGeom>
+          <a:noFill/>
+          <a:ln w="9525" cap="flat" cmpd="sng" algn="ctr">
+            <a:solidFill>
+              <a:schemeClr val="tx1"/>
+            </a:solidFill>
+            <a:prstDash val="solid"/>
+            <a:round/>
+            <a:headEnd type="triangle" w="med" len="med"/>
+            <a:tailEnd type="none" w="med" len="med"/>
+            <a:extLst>
+              <a:ext uri="{C807C97D-BFC1-408E-A445-0C87EB9F89A2}">
+                <ask:lineSketchStyleProps xmlns:ask="http://schemas.microsoft.com/office/drawing/2018/sketchyshapes" sd="1219033472">
+                  <a:prstGeom prst="arc">
+                    <a:avLst>
+                      <a:gd name="adj1" fmla="val 6219398"/>
+                      <a:gd name="adj2" fmla="val 11222131"/>
+                    </a:avLst>
+                  </a:prstGeom>
+                  <ask:type>
+                    <ask:lineSketchScribble/>
+                  </ask:type>
+                </ask:lineSketchStyleProps>
+              </a:ext>
+            </a:extLst>
+          </a:ln>
+          <a:effectLst/>
+        </p:spPr>
+        <p:txBody>
+          <a:bodyPr vert="horz" wrap="square" lIns="91440" tIns="45720" rIns="91440" bIns="45720" numCol="1" rtlCol="0" anchor="t" anchorCtr="0" compatLnSpc="1">
+            <a:prstTxWarp prst="textNoShape">
+              <a:avLst/>
+            </a:prstTxWarp>
+          </a:bodyPr>
+          <a:lstStyle/>
+          <a:p>
+            <a:pPr marL="0" marR="0" indent="0" algn="l" defTabSz="914400" rtl="0" eaLnBrk="0" fontAlgn="base" latinLnBrk="0" hangingPunct="0">
+              <a:lnSpc>
+                <a:spcPct val="100000"/>
+              </a:lnSpc>
+              <a:spcBef>
+                <a:spcPct val="0"/>
+              </a:spcBef>
+              <a:spcAft>
+                <a:spcPct val="0"/>
+              </a:spcAft>
+              <a:buClrTx/>
+              <a:buSzTx/>
+              <a:buFontTx/>
+              <a:buNone/>
+              <a:tabLst/>
+            </a:pPr>
+            <a:endParaRPr kumimoji="0" lang="en-AU" sz="2400" b="0" i="0" u="none" strike="noStrike" cap="none" normalizeH="0" baseline="0">
+              <a:ln>
+                <a:noFill/>
+              </a:ln>
+              <a:solidFill>
+                <a:schemeClr val="tx1"/>
+              </a:solidFill>
+              <a:effectLst/>
+              <a:latin typeface="Arial" charset="0"/>
+              <a:ea typeface="ＭＳ Ｐゴシック" pitchFamily="34" charset="-128"/>
+            </a:endParaRPr>
+          </a:p>
+        </p:txBody>
+      </p:sp>
+      <p:sp>
+        <p:nvSpPr>
+          <p:cNvPr id="332" name="TextBox 331">
+            <a:extLst>
+              <a:ext uri="{FF2B5EF4-FFF2-40B4-BE49-F238E27FC236}">
+                <a16:creationId xmlns:a16="http://schemas.microsoft.com/office/drawing/2014/main" id="{16D565A7-5F79-AC48-AD74-1C8C5666427A}"/>
+              </a:ext>
+            </a:extLst>
+          </p:cNvPr>
+          <p:cNvSpPr txBox="1"/>
+          <p:nvPr/>
+        </p:nvSpPr>
+        <p:spPr>
+          <a:xfrm>
+            <a:off x="5939414" y="3608672"/>
+            <a:ext cx="2496878" cy="156581"/>
+          </a:xfrm>
+          <a:prstGeom prst="rect">
+            <a:avLst/>
+          </a:prstGeom>
+          <a:noFill/>
+        </p:spPr>
+        <p:txBody>
+          <a:bodyPr wrap="square" lIns="0" tIns="0" rIns="0" bIns="0" rtlCol="0">
+            <a:spAutoFit/>
+          </a:bodyPr>
+          <a:lstStyle/>
+          <a:p>
+            <a:pPr>
+              <a:lnSpc>
+                <a:spcPct val="90000"/>
+              </a:lnSpc>
+            </a:pPr>
+            <a:r>
+              <a:rPr lang="en-AU" sz="1100" dirty="0">
+                <a:latin typeface="Fira Code Light" panose="020B0809050000020004" pitchFamily="49" charset="0"/>
+                <a:ea typeface="Fira Code Light" panose="020B0809050000020004" pitchFamily="49" charset="0"/>
+              </a:rPr>
+              <a:t>grattan_darkorange3</a:t>
+            </a:r>
+          </a:p>
+        </p:txBody>
+      </p:sp>
+      <p:sp>
+        <p:nvSpPr>
+          <p:cNvPr id="333" name="Arc 332">
+            <a:extLst>
+              <a:ext uri="{FF2B5EF4-FFF2-40B4-BE49-F238E27FC236}">
+                <a16:creationId xmlns:a16="http://schemas.microsoft.com/office/drawing/2014/main" id="{451F935B-00D8-7643-8CC5-EA9396DE5B4B}"/>
+              </a:ext>
+            </a:extLst>
+          </p:cNvPr>
+          <p:cNvSpPr/>
+          <p:nvPr/>
+        </p:nvSpPr>
+        <p:spPr bwMode="auto">
+          <a:xfrm>
+            <a:off x="3595327" y="2254691"/>
+            <a:ext cx="793019" cy="627133"/>
+          </a:xfrm>
+          <a:prstGeom prst="arc">
+            <a:avLst>
+              <a:gd name="adj1" fmla="val 11303443"/>
+              <a:gd name="adj2" fmla="val 16562293"/>
+            </a:avLst>
+          </a:prstGeom>
+          <a:noFill/>
+          <a:ln w="9525" cap="flat" cmpd="sng" algn="ctr">
+            <a:solidFill>
+              <a:schemeClr val="tx1"/>
+            </a:solidFill>
+            <a:prstDash val="solid"/>
+            <a:round/>
+            <a:headEnd type="none" w="med" len="med"/>
+            <a:tailEnd type="triangle" w="med" len="med"/>
+          </a:ln>
+          <a:effectLst/>
+        </p:spPr>
+        <p:txBody>
+          <a:bodyPr vert="horz" wrap="square" lIns="91440" tIns="45720" rIns="91440" bIns="45720" numCol="1" rtlCol="0" anchor="t" anchorCtr="0" compatLnSpc="1">
+            <a:prstTxWarp prst="textNoShape">
+              <a:avLst/>
+            </a:prstTxWarp>
+          </a:bodyPr>
+          <a:lstStyle/>
+          <a:p>
+            <a:pPr marL="0" marR="0" indent="0" algn="l" defTabSz="914400" rtl="0" eaLnBrk="0" fontAlgn="base" latinLnBrk="0" hangingPunct="0">
+              <a:lnSpc>
+                <a:spcPct val="100000"/>
+              </a:lnSpc>
+              <a:spcBef>
+                <a:spcPct val="0"/>
+              </a:spcBef>
+              <a:spcAft>
+                <a:spcPct val="0"/>
+              </a:spcAft>
+              <a:buClrTx/>
+              <a:buSzTx/>
+              <a:buFontTx/>
+              <a:buNone/>
+              <a:tabLst/>
+            </a:pPr>
+            <a:endParaRPr kumimoji="0" lang="en-AU" sz="2400" b="0" i="0" u="none" strike="noStrike" cap="none" normalizeH="0" baseline="0">
+              <a:ln>
+                <a:noFill/>
+              </a:ln>
+              <a:solidFill>
+                <a:schemeClr val="tx1"/>
+              </a:solidFill>
+              <a:effectLst/>
+              <a:latin typeface="Arial" charset="0"/>
+              <a:ea typeface="ＭＳ Ｐゴシック" pitchFamily="34" charset="-128"/>
+            </a:endParaRPr>
+          </a:p>
+        </p:txBody>
+      </p:sp>
+      <p:sp>
+        <p:nvSpPr>
+          <p:cNvPr id="334" name="TextBox 333">
+            <a:extLst>
+              <a:ext uri="{FF2B5EF4-FFF2-40B4-BE49-F238E27FC236}">
+                <a16:creationId xmlns:a16="http://schemas.microsoft.com/office/drawing/2014/main" id="{DE216394-27D3-614E-B933-0F9A33035C75}"/>
+              </a:ext>
+            </a:extLst>
+          </p:cNvPr>
+          <p:cNvSpPr txBox="1"/>
+          <p:nvPr/>
+        </p:nvSpPr>
+        <p:spPr>
+          <a:xfrm>
+            <a:off x="4056168" y="2180031"/>
+            <a:ext cx="3981254" cy="156581"/>
+          </a:xfrm>
+          <a:prstGeom prst="rect">
+            <a:avLst/>
+          </a:prstGeom>
+          <a:noFill/>
+        </p:spPr>
+        <p:txBody>
+          <a:bodyPr wrap="square" lIns="0" tIns="0" rIns="0" bIns="0" rtlCol="0">
+            <a:spAutoFit/>
+          </a:bodyPr>
+          <a:lstStyle/>
+          <a:p>
+            <a:pPr>
+              <a:lnSpc>
+                <a:spcPct val="90000"/>
+              </a:lnSpc>
+            </a:pPr>
+            <a:r>
+              <a:rPr lang="en-AU" sz="1100" dirty="0" err="1">
+                <a:latin typeface="Fira Code Light" panose="020B0809050000020004" pitchFamily="49" charset="0"/>
+                <a:ea typeface="Fira Code Light" panose="020B0809050000020004" pitchFamily="49" charset="0"/>
+              </a:rPr>
+              <a:t>grattan_lightorange</a:t>
+            </a:r>
+            <a:r>
+              <a:rPr lang="en-AU" sz="1100" dirty="0">
+                <a:latin typeface="Helvetica Light" panose="020B0403020202020204" pitchFamily="34" charset="0"/>
+                <a:ea typeface="Fira Code Light" panose="020B0809050000020004" pitchFamily="49" charset="0"/>
+              </a:rPr>
+              <a:t> or </a:t>
+            </a:r>
+            <a:r>
+              <a:rPr lang="en-AU" sz="1100" dirty="0" err="1">
+                <a:latin typeface="Fira Code Light" panose="020B0809050000020004" pitchFamily="49" charset="0"/>
+                <a:ea typeface="Fira Code Light" panose="020B0809050000020004" pitchFamily="49" charset="0"/>
+              </a:rPr>
+              <a:t>grattan_orange</a:t>
+            </a:r>
+            <a:endParaRPr lang="en-AU" sz="1100" dirty="0">
+              <a:latin typeface="Fira Code Light" panose="020B0809050000020004" pitchFamily="49" charset="0"/>
+              <a:ea typeface="Fira Code Light" panose="020B0809050000020004" pitchFamily="49" charset="0"/>
+            </a:endParaRPr>
+          </a:p>
+        </p:txBody>
+      </p:sp>
+      <p:sp>
+        <p:nvSpPr>
+          <p:cNvPr id="335" name="Arc 334">
+            <a:extLst>
+              <a:ext uri="{FF2B5EF4-FFF2-40B4-BE49-F238E27FC236}">
+                <a16:creationId xmlns:a16="http://schemas.microsoft.com/office/drawing/2014/main" id="{B7DCCAD3-2008-E24B-A8C2-5D1D74ED1CC0}"/>
+              </a:ext>
+            </a:extLst>
+          </p:cNvPr>
+          <p:cNvSpPr/>
+          <p:nvPr/>
+        </p:nvSpPr>
+        <p:spPr bwMode="auto">
+          <a:xfrm rot="10800000">
+            <a:off x="7584627" y="6538522"/>
+            <a:ext cx="793019" cy="627133"/>
+          </a:xfrm>
+          <a:custGeom>
+            <a:avLst/>
+            <a:gdLst>
+              <a:gd name="connsiteX0" fmla="*/ 2133 w 793019"/>
+              <a:gd name="connsiteY0" fmla="*/ 346047 h 627133"/>
+              <a:gd name="connsiteX1" fmla="*/ 244612 w 793019"/>
+              <a:gd name="connsiteY1" fmla="*/ 23921 h 627133"/>
+              <a:gd name="connsiteX2" fmla="*/ 396510 w 793019"/>
+              <a:gd name="connsiteY2" fmla="*/ 313567 h 627133"/>
+              <a:gd name="connsiteX3" fmla="*/ 2133 w 793019"/>
+              <a:gd name="connsiteY3" fmla="*/ 346047 h 627133"/>
+              <a:gd name="connsiteX0" fmla="*/ 2133 w 793019"/>
+              <a:gd name="connsiteY0" fmla="*/ 346047 h 627133"/>
+              <a:gd name="connsiteX1" fmla="*/ 244612 w 793019"/>
+              <a:gd name="connsiteY1" fmla="*/ 23921 h 627133"/>
+            </a:gdLst>
+            <a:ahLst/>
+            <a:cxnLst>
+              <a:cxn ang="0">
+                <a:pos x="connsiteX0" y="connsiteY0"/>
+              </a:cxn>
+              <a:cxn ang="0">
+                <a:pos x="connsiteX1" y="connsiteY1"/>
+              </a:cxn>
+            </a:cxnLst>
+            <a:rect l="l" t="t" r="r" b="b"/>
+            <a:pathLst>
+              <a:path w="793019" h="627133" stroke="0" extrusionOk="0">
+                <a:moveTo>
+                  <a:pt x="2133" y="346047"/>
+                </a:moveTo>
+                <a:cubicBezTo>
+                  <a:pt x="-44350" y="190612"/>
+                  <a:pt x="75110" y="79867"/>
+                  <a:pt x="244612" y="23921"/>
+                </a:cubicBezTo>
+                <a:cubicBezTo>
+                  <a:pt x="319941" y="137793"/>
+                  <a:pt x="326473" y="256595"/>
+                  <a:pt x="396510" y="313567"/>
+                </a:cubicBezTo>
+                <a:cubicBezTo>
+                  <a:pt x="243278" y="355769"/>
+                  <a:pt x="132577" y="329702"/>
+                  <a:pt x="2133" y="346047"/>
+                </a:cubicBezTo>
+                <a:close/>
+              </a:path>
+              <a:path w="793019" h="627133" fill="none" extrusionOk="0">
+                <a:moveTo>
+                  <a:pt x="2133" y="346047"/>
+                </a:moveTo>
+                <a:cubicBezTo>
+                  <a:pt x="-2668" y="214464"/>
+                  <a:pt x="123119" y="81871"/>
+                  <a:pt x="244612" y="23921"/>
+                </a:cubicBezTo>
+              </a:path>
+            </a:pathLst>
+          </a:custGeom>
+          <a:noFill/>
+          <a:ln w="9525" cap="flat" cmpd="sng" algn="ctr">
+            <a:solidFill>
+              <a:schemeClr val="tx1"/>
+            </a:solidFill>
+            <a:prstDash val="solid"/>
+            <a:round/>
+            <a:headEnd type="none" w="med" len="med"/>
+            <a:tailEnd type="triangle" w="med" len="med"/>
+            <a:extLst>
+              <a:ext uri="{C807C97D-BFC1-408E-A445-0C87EB9F89A2}">
+                <ask:lineSketchStyleProps xmlns:ask="http://schemas.microsoft.com/office/drawing/2018/sketchyshapes" sd="1219033472">
+                  <a:prstGeom prst="arc">
+                    <a:avLst>
+                      <a:gd name="adj1" fmla="val 10517510"/>
+                      <a:gd name="adj2" fmla="val 14539574"/>
+                    </a:avLst>
+                  </a:prstGeom>
+                  <ask:type>
+                    <ask:lineSketchScribble/>
+                  </ask:type>
+                </ask:lineSketchStyleProps>
+              </a:ext>
+            </a:extLst>
+          </a:ln>
+          <a:effectLst/>
+        </p:spPr>
+        <p:txBody>
+          <a:bodyPr vert="horz" wrap="square" lIns="91440" tIns="45720" rIns="91440" bIns="45720" numCol="1" rtlCol="0" anchor="t" anchorCtr="0" compatLnSpc="1">
+            <a:prstTxWarp prst="textNoShape">
+              <a:avLst/>
+            </a:prstTxWarp>
+          </a:bodyPr>
+          <a:lstStyle/>
+          <a:p>
+            <a:pPr marL="0" marR="0" indent="0" algn="l" defTabSz="914400" rtl="0" eaLnBrk="0" fontAlgn="base" latinLnBrk="0" hangingPunct="0">
+              <a:lnSpc>
+                <a:spcPct val="100000"/>
+              </a:lnSpc>
+              <a:spcBef>
+                <a:spcPct val="0"/>
+              </a:spcBef>
+              <a:spcAft>
+                <a:spcPct val="0"/>
+              </a:spcAft>
+              <a:buClrTx/>
+              <a:buSzTx/>
+              <a:buFontTx/>
+              <a:buNone/>
+              <a:tabLst/>
+            </a:pPr>
+            <a:endParaRPr kumimoji="0" lang="en-AU" sz="2400" b="0" i="0" u="none" strike="noStrike" cap="none" normalizeH="0" baseline="0">
+              <a:ln>
+                <a:noFill/>
+              </a:ln>
+              <a:solidFill>
+                <a:schemeClr val="tx1"/>
+              </a:solidFill>
+              <a:effectLst/>
+              <a:latin typeface="Arial" charset="0"/>
+              <a:ea typeface="ＭＳ Ｐゴシック" pitchFamily="34" charset="-128"/>
+            </a:endParaRPr>
+          </a:p>
+        </p:txBody>
+      </p:sp>
+      <p:sp>
+        <p:nvSpPr>
+          <p:cNvPr id="336" name="TextBox 335">
+            <a:extLst>
+              <a:ext uri="{FF2B5EF4-FFF2-40B4-BE49-F238E27FC236}">
+                <a16:creationId xmlns:a16="http://schemas.microsoft.com/office/drawing/2014/main" id="{8FDF28AF-1651-9245-B74D-5B9A0D4851D9}"/>
+              </a:ext>
+            </a:extLst>
+          </p:cNvPr>
+          <p:cNvSpPr txBox="1"/>
+          <p:nvPr/>
+        </p:nvSpPr>
+        <p:spPr>
+          <a:xfrm>
+            <a:off x="5638968" y="7087746"/>
+            <a:ext cx="2496878" cy="156581"/>
+          </a:xfrm>
+          <a:prstGeom prst="rect">
+            <a:avLst/>
+          </a:prstGeom>
+          <a:noFill/>
+        </p:spPr>
+        <p:txBody>
+          <a:bodyPr wrap="square" lIns="0" tIns="0" rIns="0" bIns="0" rtlCol="0">
+            <a:spAutoFit/>
+          </a:bodyPr>
+          <a:lstStyle/>
+          <a:p>
+            <a:pPr algn="r">
+              <a:lnSpc>
+                <a:spcPct val="90000"/>
+              </a:lnSpc>
+            </a:pPr>
+            <a:r>
+              <a:rPr lang="en-AU" sz="1100" dirty="0">
+                <a:latin typeface="Fira Code Light" panose="020B0809050000020004" pitchFamily="49" charset="0"/>
+                <a:ea typeface="Fira Code Light" panose="020B0809050000020004" pitchFamily="49" charset="0"/>
+              </a:rPr>
+              <a:t>grattan_darkblue8</a:t>
+            </a:r>
+          </a:p>
+        </p:txBody>
+      </p:sp>
+      <p:sp>
+        <p:nvSpPr>
+          <p:cNvPr id="339" name="Arc 338">
+            <a:extLst>
+              <a:ext uri="{FF2B5EF4-FFF2-40B4-BE49-F238E27FC236}">
+                <a16:creationId xmlns:a16="http://schemas.microsoft.com/office/drawing/2014/main" id="{9471E594-E928-6841-9C7F-1FCE14460EDF}"/>
+              </a:ext>
+            </a:extLst>
+          </p:cNvPr>
+          <p:cNvSpPr/>
+          <p:nvPr/>
+        </p:nvSpPr>
+        <p:spPr bwMode="auto">
+          <a:xfrm>
+            <a:off x="5010469" y="5655388"/>
+            <a:ext cx="793019" cy="627133"/>
+          </a:xfrm>
+          <a:prstGeom prst="arc">
+            <a:avLst>
+              <a:gd name="adj1" fmla="val 11303443"/>
+              <a:gd name="adj2" fmla="val 16562293"/>
+            </a:avLst>
+          </a:prstGeom>
+          <a:noFill/>
+          <a:ln w="9525" cap="flat" cmpd="sng" algn="ctr">
+            <a:solidFill>
+              <a:schemeClr val="tx1"/>
+            </a:solidFill>
+            <a:prstDash val="solid"/>
+            <a:round/>
+            <a:headEnd type="none" w="med" len="med"/>
+            <a:tailEnd type="triangle" w="med" len="med"/>
+          </a:ln>
+          <a:effectLst/>
+        </p:spPr>
+        <p:txBody>
+          <a:bodyPr vert="horz" wrap="square" lIns="91440" tIns="45720" rIns="91440" bIns="45720" numCol="1" rtlCol="0" anchor="t" anchorCtr="0" compatLnSpc="1">
+            <a:prstTxWarp prst="textNoShape">
+              <a:avLst/>
+            </a:prstTxWarp>
+          </a:bodyPr>
+          <a:lstStyle/>
+          <a:p>
+            <a:pPr marL="0" marR="0" indent="0" algn="l" defTabSz="914400" rtl="0" eaLnBrk="0" fontAlgn="base" latinLnBrk="0" hangingPunct="0">
+              <a:lnSpc>
+                <a:spcPct val="100000"/>
+              </a:lnSpc>
+              <a:spcBef>
+                <a:spcPct val="0"/>
+              </a:spcBef>
+              <a:spcAft>
+                <a:spcPct val="0"/>
+              </a:spcAft>
+              <a:buClrTx/>
+              <a:buSzTx/>
+              <a:buFontTx/>
+              <a:buNone/>
+              <a:tabLst/>
+            </a:pPr>
+            <a:endParaRPr kumimoji="0" lang="en-AU" sz="2400" b="0" i="0" u="none" strike="noStrike" cap="none" normalizeH="0" baseline="0">
+              <a:ln>
+                <a:noFill/>
+              </a:ln>
+              <a:solidFill>
+                <a:schemeClr val="tx1"/>
+              </a:solidFill>
+              <a:effectLst/>
+              <a:latin typeface="Arial" charset="0"/>
+              <a:ea typeface="ＭＳ Ｐゴシック" pitchFamily="34" charset="-128"/>
+            </a:endParaRPr>
+          </a:p>
+        </p:txBody>
+      </p:sp>
+      <p:sp>
+        <p:nvSpPr>
+          <p:cNvPr id="340" name="TextBox 339">
+            <a:extLst>
+              <a:ext uri="{FF2B5EF4-FFF2-40B4-BE49-F238E27FC236}">
+                <a16:creationId xmlns:a16="http://schemas.microsoft.com/office/drawing/2014/main" id="{B99578A4-65C1-C34C-9DC9-CAEF5A6490CF}"/>
+              </a:ext>
+            </a:extLst>
+          </p:cNvPr>
+          <p:cNvSpPr txBox="1"/>
+          <p:nvPr/>
+        </p:nvSpPr>
+        <p:spPr>
+          <a:xfrm>
+            <a:off x="5506145" y="5580729"/>
+            <a:ext cx="3981254" cy="156581"/>
+          </a:xfrm>
+          <a:prstGeom prst="rect">
+            <a:avLst/>
+          </a:prstGeom>
+          <a:noFill/>
+        </p:spPr>
+        <p:txBody>
+          <a:bodyPr wrap="square" lIns="0" tIns="0" rIns="0" bIns="0" rtlCol="0">
+            <a:spAutoFit/>
+          </a:bodyPr>
+          <a:lstStyle/>
+          <a:p>
+            <a:pPr>
+              <a:lnSpc>
+                <a:spcPct val="90000"/>
+              </a:lnSpc>
+            </a:pPr>
+            <a:r>
+              <a:rPr lang="en-AU" sz="1100" dirty="0">
+                <a:latin typeface="Fira Code Light" panose="020B0809050000020004" pitchFamily="49" charset="0"/>
+                <a:ea typeface="Fira Code Light" panose="020B0809050000020004" pitchFamily="49" charset="0"/>
+              </a:rPr>
+              <a:t>grattan_lightblue2</a:t>
+            </a:r>
+            <a:r>
+              <a:rPr lang="en-AU" sz="1100" dirty="0">
+                <a:latin typeface="Helvetica Light" panose="020B0403020202020204" pitchFamily="34" charset="0"/>
+                <a:ea typeface="Fira Code Light" panose="020B0809050000020004" pitchFamily="49" charset="0"/>
+              </a:rPr>
+              <a:t> or </a:t>
+            </a:r>
+            <a:r>
+              <a:rPr lang="en-AU" sz="1100" dirty="0">
+                <a:latin typeface="Fira Code Light" panose="020B0809050000020004" pitchFamily="49" charset="0"/>
+                <a:ea typeface="Fira Code Light" panose="020B0809050000020004" pitchFamily="49" charset="0"/>
+              </a:rPr>
+              <a:t>grattan_blue2</a:t>
+            </a:r>
+          </a:p>
+        </p:txBody>
+      </p:sp>
+      <p:sp>
+        <p:nvSpPr>
+          <p:cNvPr id="341" name="TextBox 340">
+            <a:extLst>
+              <a:ext uri="{FF2B5EF4-FFF2-40B4-BE49-F238E27FC236}">
+                <a16:creationId xmlns:a16="http://schemas.microsoft.com/office/drawing/2014/main" id="{3D24DB2D-1597-9E46-974D-E8832520610D}"/>
+              </a:ext>
+            </a:extLst>
+          </p:cNvPr>
+          <p:cNvSpPr txBox="1"/>
+          <p:nvPr/>
+        </p:nvSpPr>
+        <p:spPr>
+          <a:xfrm>
+            <a:off x="4198940" y="269111"/>
+            <a:ext cx="2358887" cy="194990"/>
+          </a:xfrm>
+          <a:prstGeom prst="rect">
+            <a:avLst/>
+          </a:prstGeom>
+          <a:noFill/>
+        </p:spPr>
+        <p:txBody>
+          <a:bodyPr wrap="square" lIns="0" tIns="0" rIns="0" bIns="0" rtlCol="0">
+            <a:spAutoFit/>
+          </a:bodyPr>
+          <a:lstStyle/>
+          <a:p>
+            <a:pPr>
+              <a:lnSpc>
+                <a:spcPct val="90000"/>
+              </a:lnSpc>
+            </a:pPr>
+            <a:r>
+              <a:rPr lang="en-AU" sz="1400" dirty="0">
+                <a:latin typeface="Helvetica Light" panose="020B0403020202020204" pitchFamily="34" charset="0"/>
+              </a:rPr>
+              <a:t>Tints</a:t>
+            </a:r>
+          </a:p>
+        </p:txBody>
+      </p:sp>
+      <p:cxnSp>
+        <p:nvCxnSpPr>
+          <p:cNvPr id="343" name="Straight Connector 342">
+            <a:extLst>
+              <a:ext uri="{FF2B5EF4-FFF2-40B4-BE49-F238E27FC236}">
+                <a16:creationId xmlns:a16="http://schemas.microsoft.com/office/drawing/2014/main" id="{855CF9CA-DFC5-0A4C-9BCA-1E0534FD4A0D}"/>
+              </a:ext>
+            </a:extLst>
+          </p:cNvPr>
+          <p:cNvCxnSpPr>
+            <a:cxnSpLocks/>
+          </p:cNvCxnSpPr>
+          <p:nvPr/>
+        </p:nvCxnSpPr>
+        <p:spPr bwMode="auto">
+          <a:xfrm>
+            <a:off x="4591875" y="360700"/>
+            <a:ext cx="411480" cy="0"/>
+          </a:xfrm>
+          <a:prstGeom prst="line">
+            <a:avLst/>
+          </a:prstGeom>
+          <a:solidFill>
+            <a:schemeClr val="accent1"/>
+          </a:solidFill>
+          <a:ln w="9525" cap="flat" cmpd="sng" algn="ctr">
+            <a:solidFill>
+              <a:schemeClr val="tx1"/>
+            </a:solidFill>
+            <a:prstDash val="solid"/>
+            <a:round/>
+            <a:headEnd type="none" w="med" len="med"/>
+            <a:tailEnd type="triangle" w="med" len="med"/>
+          </a:ln>
+          <a:effectLst/>
+        </p:spPr>
+      </p:cxnSp>
     </p:spTree>
     <p:extLst>
       <p:ext uri="{BB962C8B-B14F-4D97-AF65-F5344CB8AC3E}">
